--- a/final_project_proposal_presentation.pptx
+++ b/final_project_proposal_presentation.pptx
@@ -5,7 +5,7 @@
     <p:sldMasterId id="2147483648" r:id="rId1"/>
   </p:sldMasterIdLst>
   <p:notesMasterIdLst>
-    <p:notesMasterId r:id="rId14"/>
+    <p:notesMasterId r:id="rId15"/>
   </p:notesMasterIdLst>
   <p:sldIdLst>
     <p:sldId id="256" r:id="rId2"/>
@@ -17,9 +17,10 @@
     <p:sldId id="266" r:id="rId8"/>
     <p:sldId id="268" r:id="rId9"/>
     <p:sldId id="263" r:id="rId10"/>
-    <p:sldId id="264" r:id="rId11"/>
-    <p:sldId id="265" r:id="rId12"/>
-    <p:sldId id="262" r:id="rId13"/>
+    <p:sldId id="269" r:id="rId11"/>
+    <p:sldId id="264" r:id="rId12"/>
+    <p:sldId id="265" r:id="rId13"/>
+    <p:sldId id="262" r:id="rId14"/>
   </p:sldIdLst>
   <p:sldSz cx="12192000" cy="6858000"/>
   <p:notesSz cx="6858000" cy="9144000"/>
@@ -208,7 +209,7 @@
           <a:p>
             <a:fld id="{596DE3F2-4EF7-4D38-9E4B-96618CF4DA3C}" type="datetimeFigureOut">
               <a:rPr lang="en-US" smtClean="0"/>
-              <a:t>12/27/2023</a:t>
+              <a:t>5/13/2024</a:t>
             </a:fld>
             <a:endParaRPr lang="en-US"/>
           </a:p>
@@ -790,7 +791,7 @@
           <a:p>
             <a:fld id="{EC6B8DFC-4419-4CB5-929E-D2864CDF9B10}" type="datetimeFigureOut">
               <a:rPr lang="en-US" smtClean="0"/>
-              <a:t>12/27/2023</a:t>
+              <a:t>5/13/2024</a:t>
             </a:fld>
             <a:endParaRPr lang="en-US" dirty="0"/>
           </a:p>
@@ -988,7 +989,7 @@
           <a:p>
             <a:fld id="{EC6B8DFC-4419-4CB5-929E-D2864CDF9B10}" type="datetimeFigureOut">
               <a:rPr lang="en-US" smtClean="0"/>
-              <a:t>12/27/2023</a:t>
+              <a:t>5/13/2024</a:t>
             </a:fld>
             <a:endParaRPr lang="en-US" dirty="0"/>
           </a:p>
@@ -1196,7 +1197,7 @@
           <a:p>
             <a:fld id="{EC6B8DFC-4419-4CB5-929E-D2864CDF9B10}" type="datetimeFigureOut">
               <a:rPr lang="en-US" smtClean="0"/>
-              <a:t>12/27/2023</a:t>
+              <a:t>5/13/2024</a:t>
             </a:fld>
             <a:endParaRPr lang="en-US" dirty="0"/>
           </a:p>
@@ -1394,7 +1395,7 @@
           <a:p>
             <a:fld id="{EC6B8DFC-4419-4CB5-929E-D2864CDF9B10}" type="datetimeFigureOut">
               <a:rPr lang="en-US" smtClean="0"/>
-              <a:t>12/27/2023</a:t>
+              <a:t>5/13/2024</a:t>
             </a:fld>
             <a:endParaRPr lang="en-US" dirty="0"/>
           </a:p>
@@ -1669,7 +1670,7 @@
           <a:p>
             <a:fld id="{EC6B8DFC-4419-4CB5-929E-D2864CDF9B10}" type="datetimeFigureOut">
               <a:rPr lang="en-US" smtClean="0"/>
-              <a:t>12/27/2023</a:t>
+              <a:t>5/13/2024</a:t>
             </a:fld>
             <a:endParaRPr lang="en-US" dirty="0"/>
           </a:p>
@@ -1934,7 +1935,7 @@
           <a:p>
             <a:fld id="{EC6B8DFC-4419-4CB5-929E-D2864CDF9B10}" type="datetimeFigureOut">
               <a:rPr lang="en-US" smtClean="0"/>
-              <a:t>12/27/2023</a:t>
+              <a:t>5/13/2024</a:t>
             </a:fld>
             <a:endParaRPr lang="en-US" dirty="0"/>
           </a:p>
@@ -2346,7 +2347,7 @@
           <a:p>
             <a:fld id="{EC6B8DFC-4419-4CB5-929E-D2864CDF9B10}" type="datetimeFigureOut">
               <a:rPr lang="en-US" smtClean="0"/>
-              <a:t>12/27/2023</a:t>
+              <a:t>5/13/2024</a:t>
             </a:fld>
             <a:endParaRPr lang="en-US" dirty="0"/>
           </a:p>
@@ -2487,7 +2488,7 @@
           <a:p>
             <a:fld id="{EC6B8DFC-4419-4CB5-929E-D2864CDF9B10}" type="datetimeFigureOut">
               <a:rPr lang="en-US" smtClean="0"/>
-              <a:t>12/27/2023</a:t>
+              <a:t>5/13/2024</a:t>
             </a:fld>
             <a:endParaRPr lang="en-US" dirty="0"/>
           </a:p>
@@ -2600,7 +2601,7 @@
           <a:p>
             <a:fld id="{EC6B8DFC-4419-4CB5-929E-D2864CDF9B10}" type="datetimeFigureOut">
               <a:rPr lang="en-US" smtClean="0"/>
-              <a:t>12/27/2023</a:t>
+              <a:t>5/13/2024</a:t>
             </a:fld>
             <a:endParaRPr lang="en-US" dirty="0"/>
           </a:p>
@@ -2911,7 +2912,7 @@
           <a:p>
             <a:fld id="{EC6B8DFC-4419-4CB5-929E-D2864CDF9B10}" type="datetimeFigureOut">
               <a:rPr lang="en-US" smtClean="0"/>
-              <a:t>12/27/2023</a:t>
+              <a:t>5/13/2024</a:t>
             </a:fld>
             <a:endParaRPr lang="en-US" dirty="0"/>
           </a:p>
@@ -3199,7 +3200,7 @@
           <a:p>
             <a:fld id="{EC6B8DFC-4419-4CB5-929E-D2864CDF9B10}" type="datetimeFigureOut">
               <a:rPr lang="en-US" smtClean="0"/>
-              <a:t>12/27/2023</a:t>
+              <a:t>5/13/2024</a:t>
             </a:fld>
             <a:endParaRPr lang="en-US" dirty="0"/>
           </a:p>
@@ -3440,7 +3441,7 @@
           <a:p>
             <a:fld id="{EC6B8DFC-4419-4CB5-929E-D2864CDF9B10}" type="datetimeFigureOut">
               <a:rPr lang="en-US" smtClean="0"/>
-              <a:t>12/27/2023</a:t>
+              <a:t>5/13/2024</a:t>
             </a:fld>
             <a:endParaRPr lang="en-US" dirty="0"/>
           </a:p>
@@ -4363,6 +4364,254 @@
                 <a:latin typeface="Times New Roman" panose="02020603050405020304" pitchFamily="18" charset="0"/>
                 <a:cs typeface="Times New Roman" panose="02020603050405020304" pitchFamily="18" charset="0"/>
               </a:rPr>
+              <a:t>Fractional Real Esstate Investing</a:t>
+            </a:r>
+            <a:endParaRPr lang="en-US" sz="2600" dirty="0">
+              <a:latin typeface="Times New Roman" panose="02020603050405020304" pitchFamily="18" charset="0"/>
+              <a:cs typeface="Times New Roman" panose="02020603050405020304" pitchFamily="18" charset="0"/>
+            </a:endParaRPr>
+          </a:p>
+        </p:txBody>
+      </p:sp>
+      <p:sp>
+        <p:nvSpPr>
+          <p:cNvPr id="8" name="TextBox 7">
+            <a:extLst>
+              <a:ext uri="{FF2B5EF4-FFF2-40B4-BE49-F238E27FC236}">
+                <a16:creationId xmlns:a16="http://schemas.microsoft.com/office/drawing/2014/main" id="{57819BF9-8FC3-4825-BC66-2BCCD99DBD00}"/>
+              </a:ext>
+            </a:extLst>
+          </p:cNvPr>
+          <p:cNvSpPr txBox="1"/>
+          <p:nvPr/>
+        </p:nvSpPr>
+        <p:spPr>
+          <a:xfrm>
+            <a:off x="322611" y="850297"/>
+            <a:ext cx="9409217" cy="1323439"/>
+          </a:xfrm>
+          <a:prstGeom prst="rect">
+            <a:avLst/>
+          </a:prstGeom>
+          <a:noFill/>
+        </p:spPr>
+        <p:txBody>
+          <a:bodyPr wrap="square" rtlCol="0">
+            <a:spAutoFit/>
+          </a:bodyPr>
+          <a:lstStyle/>
+          <a:p>
+            <a:pPr marL="342900" indent="-342900">
+              <a:buFont typeface="Arial" panose="020B0604020202020204" pitchFamily="34" charset="0"/>
+              <a:buChar char="•"/>
+            </a:pPr>
+            <a:r>
+              <a:rPr lang="en-US" sz="2000" dirty="0">
+                <a:latin typeface="Times New Roman" panose="02020603050405020304" pitchFamily="18" charset="0"/>
+                <a:cs typeface="Times New Roman" panose="02020603050405020304" pitchFamily="18" charset="0"/>
+              </a:rPr>
+              <a:t>A method that can enable investors to </a:t>
+            </a:r>
+            <a:r>
+              <a:rPr lang="en-US" sz="2000" b="1" dirty="0">
+                <a:latin typeface="Times New Roman" panose="02020603050405020304" pitchFamily="18" charset="0"/>
+                <a:cs typeface="Times New Roman" panose="02020603050405020304" pitchFamily="18" charset="0"/>
+              </a:rPr>
+              <a:t>own fractional ownership in a property</a:t>
+            </a:r>
+          </a:p>
+          <a:p>
+            <a:pPr marL="342900" indent="-342900">
+              <a:buFont typeface="Arial" panose="020B0604020202020204" pitchFamily="34" charset="0"/>
+              <a:buChar char="•"/>
+            </a:pPr>
+            <a:r>
+              <a:rPr lang="en-US" sz="2000">
+                <a:latin typeface="Times New Roman" panose="02020603050405020304" pitchFamily="18" charset="0"/>
+                <a:cs typeface="Times New Roman" panose="02020603050405020304" pitchFamily="18" charset="0"/>
+              </a:rPr>
+              <a:t>The process of issuing tokens may take a form of the IPO applied in the stock market</a:t>
+            </a:r>
+          </a:p>
+          <a:p>
+            <a:pPr marL="342900" indent="-342900">
+              <a:buFont typeface="Arial" panose="020B0604020202020204" pitchFamily="34" charset="0"/>
+              <a:buChar char="•"/>
+            </a:pPr>
+            <a:r>
+              <a:rPr lang="en-US" sz="2000">
+                <a:latin typeface="Times New Roman" panose="02020603050405020304" pitchFamily="18" charset="0"/>
+                <a:cs typeface="Times New Roman" panose="02020603050405020304" pitchFamily="18" charset="0"/>
+              </a:rPr>
+              <a:t>The owner of the property may issue tokens based on the market value of the property and sell them to potential investors </a:t>
+            </a:r>
+            <a:r>
+              <a:rPr lang="en-US" sz="2000" b="1">
+                <a:latin typeface="Times New Roman" panose="02020603050405020304" pitchFamily="18" charset="0"/>
+                <a:cs typeface="Times New Roman" panose="02020603050405020304" pitchFamily="18" charset="0"/>
+              </a:rPr>
+              <a:t>just like shares in a company</a:t>
+            </a:r>
+            <a:endParaRPr lang="en-US" sz="2000" b="1" dirty="0">
+              <a:latin typeface="Times New Roman" panose="02020603050405020304" pitchFamily="18" charset="0"/>
+              <a:cs typeface="Times New Roman" panose="02020603050405020304" pitchFamily="18" charset="0"/>
+            </a:endParaRPr>
+          </a:p>
+        </p:txBody>
+      </p:sp>
+      <p:pic>
+        <p:nvPicPr>
+          <p:cNvPr id="1026" name="Picture 2" descr="How to Launch a Fractional Ownership Platform">
+            <a:extLst>
+              <a:ext uri="{FF2B5EF4-FFF2-40B4-BE49-F238E27FC236}">
+                <a16:creationId xmlns:a16="http://schemas.microsoft.com/office/drawing/2014/main" id="{437DA0A3-82BC-463E-B529-F1C1BB918120}"/>
+              </a:ext>
+            </a:extLst>
+          </p:cNvPr>
+          <p:cNvPicPr>
+            <a:picLocks noChangeAspect="1" noChangeArrowheads="1"/>
+          </p:cNvPicPr>
+          <p:nvPr/>
+        </p:nvPicPr>
+        <p:blipFill>
+          <a:blip r:embed="rId2">
+            <a:extLst>
+              <a:ext uri="{28A0092B-C50C-407E-A947-70E740481C1C}">
+                <a14:useLocalDpi xmlns:a14="http://schemas.microsoft.com/office/drawing/2010/main" val="0"/>
+              </a:ext>
+            </a:extLst>
+          </a:blip>
+          <a:srcRect/>
+          <a:stretch>
+            <a:fillRect/>
+          </a:stretch>
+        </p:blipFill>
+        <p:spPr bwMode="auto">
+          <a:xfrm>
+            <a:off x="535738" y="2086774"/>
+            <a:ext cx="8982961" cy="4597643"/>
+          </a:xfrm>
+          <a:prstGeom prst="rect">
+            <a:avLst/>
+          </a:prstGeom>
+          <a:noFill/>
+          <a:extLst>
+            <a:ext uri="{909E8E84-426E-40DD-AFC4-6F175D3DCCD1}">
+              <a14:hiddenFill xmlns:a14="http://schemas.microsoft.com/office/drawing/2010/main">
+                <a:solidFill>
+                  <a:srgbClr val="FFFFFF"/>
+                </a:solidFill>
+              </a14:hiddenFill>
+            </a:ext>
+          </a:extLst>
+        </p:spPr>
+      </p:pic>
+    </p:spTree>
+    <p:extLst>
+      <p:ext uri="{BB962C8B-B14F-4D97-AF65-F5344CB8AC3E}">
+        <p14:creationId xmlns:p14="http://schemas.microsoft.com/office/powerpoint/2010/main" val="518702246"/>
+      </p:ext>
+    </p:extLst>
+  </p:cSld>
+  <p:clrMapOvr>
+    <a:masterClrMapping/>
+  </p:clrMapOvr>
+</p:sld>
+</file>
+
+<file path=ppt/slides/slide11.xml><?xml version="1.0" encoding="utf-8"?>
+<p:sld xmlns:a="http://schemas.openxmlformats.org/drawingml/2006/main" xmlns:r="http://schemas.openxmlformats.org/officeDocument/2006/relationships" xmlns:p="http://schemas.openxmlformats.org/presentationml/2006/main">
+  <p:cSld>
+    <p:spTree>
+      <p:nvGrpSpPr>
+        <p:cNvPr id="1" name=""/>
+        <p:cNvGrpSpPr/>
+        <p:nvPr/>
+      </p:nvGrpSpPr>
+      <p:grpSpPr>
+        <a:xfrm>
+          <a:off x="0" y="0"/>
+          <a:ext cx="0" cy="0"/>
+          <a:chOff x="0" y="0"/>
+          <a:chExt cx="0" cy="0"/>
+        </a:xfrm>
+      </p:grpSpPr>
+      <p:cxnSp>
+        <p:nvCxnSpPr>
+          <p:cNvPr id="4" name="Straight Connector 3">
+            <a:extLst>
+              <a:ext uri="{FF2B5EF4-FFF2-40B4-BE49-F238E27FC236}">
+                <a16:creationId xmlns:a16="http://schemas.microsoft.com/office/drawing/2014/main" id="{FD8945C5-D086-40AE-855A-DE1E0C847B8B}"/>
+              </a:ext>
+            </a:extLst>
+          </p:cNvPr>
+          <p:cNvCxnSpPr>
+            <a:cxnSpLocks/>
+          </p:cNvCxnSpPr>
+          <p:nvPr/>
+        </p:nvCxnSpPr>
+        <p:spPr>
+          <a:xfrm>
+            <a:off x="403635" y="736458"/>
+            <a:ext cx="1092200" cy="0"/>
+          </a:xfrm>
+          <a:prstGeom prst="line">
+            <a:avLst/>
+          </a:prstGeom>
+          <a:ln w="57150">
+            <a:solidFill>
+              <a:srgbClr val="C00000"/>
+            </a:solidFill>
+          </a:ln>
+        </p:spPr>
+        <p:style>
+          <a:lnRef idx="1">
+            <a:schemeClr val="accent1"/>
+          </a:lnRef>
+          <a:fillRef idx="0">
+            <a:schemeClr val="accent1"/>
+          </a:fillRef>
+          <a:effectRef idx="0">
+            <a:schemeClr val="accent1"/>
+          </a:effectRef>
+          <a:fontRef idx="minor">
+            <a:schemeClr val="tx1"/>
+          </a:fontRef>
+        </p:style>
+      </p:cxnSp>
+      <p:sp>
+        <p:nvSpPr>
+          <p:cNvPr id="5" name="TextBox 4">
+            <a:extLst>
+              <a:ext uri="{FF2B5EF4-FFF2-40B4-BE49-F238E27FC236}">
+                <a16:creationId xmlns:a16="http://schemas.microsoft.com/office/drawing/2014/main" id="{48F65BD5-DBA0-40D9-8CC7-2E2E5678ECE2}"/>
+              </a:ext>
+            </a:extLst>
+          </p:cNvPr>
+          <p:cNvSpPr txBox="1"/>
+          <p:nvPr/>
+        </p:nvSpPr>
+        <p:spPr>
+          <a:xfrm>
+            <a:off x="322612" y="244016"/>
+            <a:ext cx="8148320" cy="492443"/>
+          </a:xfrm>
+          <a:prstGeom prst="rect">
+            <a:avLst/>
+          </a:prstGeom>
+          <a:noFill/>
+        </p:spPr>
+        <p:txBody>
+          <a:bodyPr wrap="square" rtlCol="0">
+            <a:spAutoFit/>
+          </a:bodyPr>
+          <a:lstStyle/>
+          <a:p>
+            <a:r>
+              <a:rPr lang="en-US" sz="2600">
+                <a:latin typeface="Times New Roman" panose="02020603050405020304" pitchFamily="18" charset="0"/>
+                <a:cs typeface="Times New Roman" panose="02020603050405020304" pitchFamily="18" charset="0"/>
+              </a:rPr>
               <a:t>Voting system and real ownership on your own property</a:t>
             </a:r>
             <a:endParaRPr lang="en-US" sz="2600" dirty="0">
@@ -4556,7 +4805,7 @@
 </p:sld>
 </file>
 
-<file path=ppt/slides/slide11.xml><?xml version="1.0" encoding="utf-8"?>
+<file path=ppt/slides/slide12.xml><?xml version="1.0" encoding="utf-8"?>
 <p:sld xmlns:a="http://schemas.openxmlformats.org/drawingml/2006/main" xmlns:r="http://schemas.openxmlformats.org/officeDocument/2006/relationships" xmlns:p="http://schemas.openxmlformats.org/presentationml/2006/main">
   <p:cSld>
     <p:spTree>
@@ -4676,7 +4925,7 @@
 </p:sld>
 </file>
 
-<file path=ppt/slides/slide12.xml><?xml version="1.0" encoding="utf-8"?>
+<file path=ppt/slides/slide13.xml><?xml version="1.0" encoding="utf-8"?>
 <p:sld xmlns:a="http://schemas.openxmlformats.org/drawingml/2006/main" xmlns:r="http://schemas.openxmlformats.org/officeDocument/2006/relationships" xmlns:p="http://schemas.openxmlformats.org/presentationml/2006/main">
   <p:cSld>
     <p:spTree>
